--- a/Livrable1/Présentationpfr [Enregistrement automatique].pptx
+++ b/Livrable1/Présentationpfr [Enregistrement automatique].pptx
@@ -4,6 +4,9 @@
   <p:sldMasterIdLst>
     <p:sldMasterId id="2147483648" r:id="rId1"/>
   </p:sldMasterIdLst>
+  <p:notesMasterIdLst>
+    <p:notesMasterId r:id="rId13"/>
+  </p:notesMasterIdLst>
   <p:sldIdLst>
     <p:sldId id="256" r:id="rId2"/>
     <p:sldId id="257" r:id="rId3"/>
@@ -114,7 +117,445 @@
       </a:defRPr>
     </a:lvl9pPr>
   </p:defaultTextStyle>
+  <p:extLst>
+    <p:ext uri="{EFAFB233-063F-42B5-8137-9DF3F51BA10A}">
+      <p15:sldGuideLst xmlns:p15="http://schemas.microsoft.com/office/powerpoint/2012/main"/>
+    </p:ext>
+  </p:extLst>
 </p:presentation>
+</file>
+
+<file path=ppt/notesMasters/notesMaster1.xml><?xml version="1.0" encoding="utf-8"?>
+<p:notesMaster xmlns:a="http://schemas.openxmlformats.org/drawingml/2006/main" xmlns:r="http://schemas.openxmlformats.org/officeDocument/2006/relationships" xmlns:p="http://schemas.openxmlformats.org/presentationml/2006/main">
+  <p:cSld>
+    <p:bg>
+      <p:bgRef idx="1001">
+        <a:schemeClr val="bg1"/>
+      </p:bgRef>
+    </p:bg>
+    <p:spTree>
+      <p:nvGrpSpPr>
+        <p:cNvPr id="1" name=""/>
+        <p:cNvGrpSpPr/>
+        <p:nvPr/>
+      </p:nvGrpSpPr>
+      <p:grpSpPr>
+        <a:xfrm>
+          <a:off x="0" y="0"/>
+          <a:ext cx="0" cy="0"/>
+          <a:chOff x="0" y="0"/>
+          <a:chExt cx="0" cy="0"/>
+        </a:xfrm>
+      </p:grpSpPr>
+      <p:sp>
+        <p:nvSpPr>
+          <p:cNvPr id="2" name="Espace réservé de l'en-tête 1"/>
+          <p:cNvSpPr>
+            <a:spLocks noGrp="1"/>
+          </p:cNvSpPr>
+          <p:nvPr>
+            <p:ph type="hdr" sz="quarter"/>
+          </p:nvPr>
+        </p:nvSpPr>
+        <p:spPr>
+          <a:xfrm>
+            <a:off x="0" y="0"/>
+            <a:ext cx="3276600" cy="536575"/>
+          </a:xfrm>
+          <a:prstGeom prst="rect">
+            <a:avLst/>
+          </a:prstGeom>
+        </p:spPr>
+        <p:txBody>
+          <a:bodyPr vert="horz" lIns="91440" tIns="45720" rIns="91440" bIns="45720" rtlCol="0"/>
+          <a:lstStyle>
+            <a:lvl1pPr algn="l">
+              <a:defRPr sz="1200"/>
+            </a:lvl1pPr>
+          </a:lstStyle>
+          <a:p>
+            <a:endParaRPr lang="fr-FR"/>
+          </a:p>
+        </p:txBody>
+      </p:sp>
+      <p:sp>
+        <p:nvSpPr>
+          <p:cNvPr id="3" name="Espace réservé de la date 2"/>
+          <p:cNvSpPr>
+            <a:spLocks noGrp="1"/>
+          </p:cNvSpPr>
+          <p:nvPr>
+            <p:ph type="dt" idx="1"/>
+          </p:nvPr>
+        </p:nvSpPr>
+        <p:spPr>
+          <a:xfrm>
+            <a:off x="4281488" y="0"/>
+            <a:ext cx="3276600" cy="536575"/>
+          </a:xfrm>
+          <a:prstGeom prst="rect">
+            <a:avLst/>
+          </a:prstGeom>
+        </p:spPr>
+        <p:txBody>
+          <a:bodyPr vert="horz" lIns="91440" tIns="45720" rIns="91440" bIns="45720" rtlCol="0"/>
+          <a:lstStyle>
+            <a:lvl1pPr algn="r">
+              <a:defRPr sz="1200"/>
+            </a:lvl1pPr>
+          </a:lstStyle>
+          <a:p>
+            <a:fld id="{6A6F7FFF-6B3C-442E-BF57-9B23389431BB}" type="datetimeFigureOut">
+              <a:rPr lang="fr-FR" smtClean="0"/>
+              <a:t>08/04/2019</a:t>
+            </a:fld>
+            <a:endParaRPr lang="fr-FR"/>
+          </a:p>
+        </p:txBody>
+      </p:sp>
+      <p:sp>
+        <p:nvSpPr>
+          <p:cNvPr id="4" name="Espace réservé de l'image des diapositives 3"/>
+          <p:cNvSpPr>
+            <a:spLocks noGrp="1" noRot="1" noChangeAspect="1"/>
+          </p:cNvSpPr>
+          <p:nvPr>
+            <p:ph type="sldImg" idx="2"/>
+          </p:nvPr>
+        </p:nvSpPr>
+        <p:spPr>
+          <a:xfrm>
+            <a:off x="573088" y="1336675"/>
+            <a:ext cx="6413500" cy="3608388"/>
+          </a:xfrm>
+          <a:prstGeom prst="rect">
+            <a:avLst/>
+          </a:prstGeom>
+          <a:noFill/>
+          <a:ln w="12700">
+            <a:solidFill>
+              <a:prstClr val="black"/>
+            </a:solidFill>
+          </a:ln>
+        </p:spPr>
+        <p:txBody>
+          <a:bodyPr vert="horz" lIns="91440" tIns="45720" rIns="91440" bIns="45720" rtlCol="0" anchor="ctr"/>
+          <a:lstStyle/>
+          <a:p>
+            <a:endParaRPr lang="fr-FR"/>
+          </a:p>
+        </p:txBody>
+      </p:sp>
+      <p:sp>
+        <p:nvSpPr>
+          <p:cNvPr id="5" name="Espace réservé des notes 4"/>
+          <p:cNvSpPr>
+            <a:spLocks noGrp="1"/>
+          </p:cNvSpPr>
+          <p:nvPr>
+            <p:ph type="body" sz="quarter" idx="3"/>
+          </p:nvPr>
+        </p:nvSpPr>
+        <p:spPr>
+          <a:xfrm>
+            <a:off x="755650" y="5145088"/>
+            <a:ext cx="6048375" cy="4210050"/>
+          </a:xfrm>
+          <a:prstGeom prst="rect">
+            <a:avLst/>
+          </a:prstGeom>
+        </p:spPr>
+        <p:txBody>
+          <a:bodyPr vert="horz" lIns="91440" tIns="45720" rIns="91440" bIns="45720" rtlCol="0"/>
+          <a:lstStyle/>
+          <a:p>
+            <a:pPr lvl="0"/>
+            <a:r>
+              <a:rPr lang="fr-FR"/>
+              <a:t>Cliquez pour modifier les styles du texte du masque</a:t>
+            </a:r>
+          </a:p>
+          <a:p>
+            <a:pPr lvl="1"/>
+            <a:r>
+              <a:rPr lang="fr-FR"/>
+              <a:t>Deuxième niveau</a:t>
+            </a:r>
+          </a:p>
+          <a:p>
+            <a:pPr lvl="2"/>
+            <a:r>
+              <a:rPr lang="fr-FR"/>
+              <a:t>Troisième niveau</a:t>
+            </a:r>
+          </a:p>
+          <a:p>
+            <a:pPr lvl="3"/>
+            <a:r>
+              <a:rPr lang="fr-FR"/>
+              <a:t>Quatrième niveau</a:t>
+            </a:r>
+          </a:p>
+          <a:p>
+            <a:pPr lvl="4"/>
+            <a:r>
+              <a:rPr lang="fr-FR"/>
+              <a:t>Cinquième niveau</a:t>
+            </a:r>
+          </a:p>
+        </p:txBody>
+      </p:sp>
+      <p:sp>
+        <p:nvSpPr>
+          <p:cNvPr id="6" name="Espace réservé du pied de page 5"/>
+          <p:cNvSpPr>
+            <a:spLocks noGrp="1"/>
+          </p:cNvSpPr>
+          <p:nvPr>
+            <p:ph type="ftr" sz="quarter" idx="4"/>
+          </p:nvPr>
+        </p:nvSpPr>
+        <p:spPr>
+          <a:xfrm>
+            <a:off x="0" y="10155238"/>
+            <a:ext cx="3276600" cy="536575"/>
+          </a:xfrm>
+          <a:prstGeom prst="rect">
+            <a:avLst/>
+          </a:prstGeom>
+        </p:spPr>
+        <p:txBody>
+          <a:bodyPr vert="horz" lIns="91440" tIns="45720" rIns="91440" bIns="45720" rtlCol="0" anchor="b"/>
+          <a:lstStyle>
+            <a:lvl1pPr algn="l">
+              <a:defRPr sz="1200"/>
+            </a:lvl1pPr>
+          </a:lstStyle>
+          <a:p>
+            <a:endParaRPr lang="fr-FR"/>
+          </a:p>
+        </p:txBody>
+      </p:sp>
+      <p:sp>
+        <p:nvSpPr>
+          <p:cNvPr id="7" name="Espace réservé du numéro de diapositive 6"/>
+          <p:cNvSpPr>
+            <a:spLocks noGrp="1"/>
+          </p:cNvSpPr>
+          <p:nvPr>
+            <p:ph type="sldNum" sz="quarter" idx="5"/>
+          </p:nvPr>
+        </p:nvSpPr>
+        <p:spPr>
+          <a:xfrm>
+            <a:off x="4281488" y="10155238"/>
+            <a:ext cx="3276600" cy="536575"/>
+          </a:xfrm>
+          <a:prstGeom prst="rect">
+            <a:avLst/>
+          </a:prstGeom>
+        </p:spPr>
+        <p:txBody>
+          <a:bodyPr vert="horz" lIns="91440" tIns="45720" rIns="91440" bIns="45720" rtlCol="0" anchor="b"/>
+          <a:lstStyle>
+            <a:lvl1pPr algn="r">
+              <a:defRPr sz="1200"/>
+            </a:lvl1pPr>
+          </a:lstStyle>
+          <a:p>
+            <a:fld id="{C0178453-52EB-4D5C-ABEC-52E42963FA7E}" type="slidenum">
+              <a:rPr lang="fr-FR" smtClean="0"/>
+              <a:t>‹N°›</a:t>
+            </a:fld>
+            <a:endParaRPr lang="fr-FR"/>
+          </a:p>
+        </p:txBody>
+      </p:sp>
+    </p:spTree>
+    <p:extLst>
+      <p:ext uri="{BB962C8B-B14F-4D97-AF65-F5344CB8AC3E}">
+        <p14:creationId xmlns:p14="http://schemas.microsoft.com/office/powerpoint/2010/main" val="2434991926"/>
+      </p:ext>
+    </p:extLst>
+  </p:cSld>
+  <p:clrMap bg1="lt1" tx1="dk1" bg2="lt2" tx2="dk2" accent1="accent1" accent2="accent2" accent3="accent3" accent4="accent4" accent5="accent5" accent6="accent6" hlink="hlink" folHlink="folHlink"/>
+  <p:notesStyle>
+    <a:lvl1pPr marL="0" algn="l" defTabSz="914400" rtl="0" eaLnBrk="1" latinLnBrk="0" hangingPunct="1">
+      <a:defRPr sz="1200" kern="1200">
+        <a:solidFill>
+          <a:schemeClr val="tx1"/>
+        </a:solidFill>
+        <a:latin typeface="+mn-lt"/>
+        <a:ea typeface="+mn-ea"/>
+        <a:cs typeface="+mn-cs"/>
+      </a:defRPr>
+    </a:lvl1pPr>
+    <a:lvl2pPr marL="457200" algn="l" defTabSz="914400" rtl="0" eaLnBrk="1" latinLnBrk="0" hangingPunct="1">
+      <a:defRPr sz="1200" kern="1200">
+        <a:solidFill>
+          <a:schemeClr val="tx1"/>
+        </a:solidFill>
+        <a:latin typeface="+mn-lt"/>
+        <a:ea typeface="+mn-ea"/>
+        <a:cs typeface="+mn-cs"/>
+      </a:defRPr>
+    </a:lvl2pPr>
+    <a:lvl3pPr marL="914400" algn="l" defTabSz="914400" rtl="0" eaLnBrk="1" latinLnBrk="0" hangingPunct="1">
+      <a:defRPr sz="1200" kern="1200">
+        <a:solidFill>
+          <a:schemeClr val="tx1"/>
+        </a:solidFill>
+        <a:latin typeface="+mn-lt"/>
+        <a:ea typeface="+mn-ea"/>
+        <a:cs typeface="+mn-cs"/>
+      </a:defRPr>
+    </a:lvl3pPr>
+    <a:lvl4pPr marL="1371600" algn="l" defTabSz="914400" rtl="0" eaLnBrk="1" latinLnBrk="0" hangingPunct="1">
+      <a:defRPr sz="1200" kern="1200">
+        <a:solidFill>
+          <a:schemeClr val="tx1"/>
+        </a:solidFill>
+        <a:latin typeface="+mn-lt"/>
+        <a:ea typeface="+mn-ea"/>
+        <a:cs typeface="+mn-cs"/>
+      </a:defRPr>
+    </a:lvl4pPr>
+    <a:lvl5pPr marL="1828800" algn="l" defTabSz="914400" rtl="0" eaLnBrk="1" latinLnBrk="0" hangingPunct="1">
+      <a:defRPr sz="1200" kern="1200">
+        <a:solidFill>
+          <a:schemeClr val="tx1"/>
+        </a:solidFill>
+        <a:latin typeface="+mn-lt"/>
+        <a:ea typeface="+mn-ea"/>
+        <a:cs typeface="+mn-cs"/>
+      </a:defRPr>
+    </a:lvl5pPr>
+    <a:lvl6pPr marL="2286000" algn="l" defTabSz="914400" rtl="0" eaLnBrk="1" latinLnBrk="0" hangingPunct="1">
+      <a:defRPr sz="1200" kern="1200">
+        <a:solidFill>
+          <a:schemeClr val="tx1"/>
+        </a:solidFill>
+        <a:latin typeface="+mn-lt"/>
+        <a:ea typeface="+mn-ea"/>
+        <a:cs typeface="+mn-cs"/>
+      </a:defRPr>
+    </a:lvl6pPr>
+    <a:lvl7pPr marL="2743200" algn="l" defTabSz="914400" rtl="0" eaLnBrk="1" latinLnBrk="0" hangingPunct="1">
+      <a:defRPr sz="1200" kern="1200">
+        <a:solidFill>
+          <a:schemeClr val="tx1"/>
+        </a:solidFill>
+        <a:latin typeface="+mn-lt"/>
+        <a:ea typeface="+mn-ea"/>
+        <a:cs typeface="+mn-cs"/>
+      </a:defRPr>
+    </a:lvl7pPr>
+    <a:lvl8pPr marL="3200400" algn="l" defTabSz="914400" rtl="0" eaLnBrk="1" latinLnBrk="0" hangingPunct="1">
+      <a:defRPr sz="1200" kern="1200">
+        <a:solidFill>
+          <a:schemeClr val="tx1"/>
+        </a:solidFill>
+        <a:latin typeface="+mn-lt"/>
+        <a:ea typeface="+mn-ea"/>
+        <a:cs typeface="+mn-cs"/>
+      </a:defRPr>
+    </a:lvl8pPr>
+    <a:lvl9pPr marL="3657600" algn="l" defTabSz="914400" rtl="0" eaLnBrk="1" latinLnBrk="0" hangingPunct="1">
+      <a:defRPr sz="1200" kern="1200">
+        <a:solidFill>
+          <a:schemeClr val="tx1"/>
+        </a:solidFill>
+        <a:latin typeface="+mn-lt"/>
+        <a:ea typeface="+mn-ea"/>
+        <a:cs typeface="+mn-cs"/>
+      </a:defRPr>
+    </a:lvl9pPr>
+  </p:notesStyle>
+</p:notesMaster>
+</file>
+
+<file path=ppt/notesSlides/notesSlide1.xml><?xml version="1.0" encoding="utf-8"?>
+<p:notes xmlns:a="http://schemas.openxmlformats.org/drawingml/2006/main" xmlns:r="http://schemas.openxmlformats.org/officeDocument/2006/relationships" xmlns:p="http://schemas.openxmlformats.org/presentationml/2006/main">
+  <p:cSld>
+    <p:spTree>
+      <p:nvGrpSpPr>
+        <p:cNvPr id="1" name=""/>
+        <p:cNvGrpSpPr/>
+        <p:nvPr/>
+      </p:nvGrpSpPr>
+      <p:grpSpPr>
+        <a:xfrm>
+          <a:off x="0" y="0"/>
+          <a:ext cx="0" cy="0"/>
+          <a:chOff x="0" y="0"/>
+          <a:chExt cx="0" cy="0"/>
+        </a:xfrm>
+      </p:grpSpPr>
+      <p:sp>
+        <p:nvSpPr>
+          <p:cNvPr id="2" name="Espace réservé de l'image des diapositives 1"/>
+          <p:cNvSpPr>
+            <a:spLocks noGrp="1" noRot="1" noChangeAspect="1"/>
+          </p:cNvSpPr>
+          <p:nvPr>
+            <p:ph type="sldImg"/>
+          </p:nvPr>
+        </p:nvSpPr>
+        <p:spPr/>
+      </p:sp>
+      <p:sp>
+        <p:nvSpPr>
+          <p:cNvPr id="3" name="Espace réservé des notes 2"/>
+          <p:cNvSpPr>
+            <a:spLocks noGrp="1"/>
+          </p:cNvSpPr>
+          <p:nvPr>
+            <p:ph type="body" idx="1"/>
+          </p:nvPr>
+        </p:nvSpPr>
+        <p:spPr/>
+        <p:txBody>
+          <a:bodyPr/>
+          <a:lstStyle/>
+          <a:p>
+            <a:endParaRPr lang="fr-FR" dirty="0"/>
+          </a:p>
+        </p:txBody>
+      </p:sp>
+      <p:sp>
+        <p:nvSpPr>
+          <p:cNvPr id="4" name="Espace réservé du numéro de diapositive 3"/>
+          <p:cNvSpPr>
+            <a:spLocks noGrp="1"/>
+          </p:cNvSpPr>
+          <p:nvPr>
+            <p:ph type="sldNum" sz="quarter" idx="5"/>
+          </p:nvPr>
+        </p:nvSpPr>
+        <p:spPr/>
+        <p:txBody>
+          <a:bodyPr/>
+          <a:lstStyle/>
+          <a:p>
+            <a:fld id="{C0178453-52EB-4D5C-ABEC-52E42963FA7E}" type="slidenum">
+              <a:rPr lang="fr-FR" smtClean="0"/>
+              <a:t>10</a:t>
+            </a:fld>
+            <a:endParaRPr lang="fr-FR"/>
+          </a:p>
+        </p:txBody>
+      </p:sp>
+    </p:spTree>
+    <p:extLst>
+      <p:ext uri="{BB962C8B-B14F-4D97-AF65-F5344CB8AC3E}">
+        <p14:creationId xmlns:p14="http://schemas.microsoft.com/office/powerpoint/2010/main" val="1152390051"/>
+      </p:ext>
+    </p:extLst>
+  </p:cSld>
+  <p:clrMapOvr>
+    <a:masterClrMapping/>
+  </p:clrMapOvr>
+</p:notes>
 </file>
 
 <file path=ppt/slideLayouts/slideLayout1.xml><?xml version="1.0" encoding="utf-8"?>
@@ -1719,7 +2160,7 @@
                 </a:solidFill>
                 <a:latin typeface="Calibri"/>
               </a:rPr>
-              <a:t>03/04/2019</a:t>
+              <a:t>08/04/2019</a:t>
             </a:fld>
             <a:endParaRPr lang="fr-FR" sz="1200" b="0" strike="noStrike" spc="-1">
               <a:latin typeface="Times New Roman"/>
@@ -2651,7 +3092,7 @@
           <p:nvPr/>
         </p:nvPicPr>
         <p:blipFill>
-          <a:blip r:embed="rId2"/>
+          <a:blip r:embed="rId3"/>
           <a:stretch/>
         </p:blipFill>
         <p:spPr>
@@ -2730,10 +3171,10 @@
         </p:nvGrpSpPr>
         <p:grpSpPr>
           <a:xfrm>
-            <a:off x="515520" y="1591200"/>
-            <a:ext cx="10776600" cy="3859920"/>
-            <a:chOff x="515520" y="1591200"/>
-            <a:chExt cx="10776600" cy="3859920"/>
+            <a:off x="542380" y="1426915"/>
+            <a:ext cx="11542593" cy="2984333"/>
+            <a:chOff x="551806" y="1591200"/>
+            <a:chExt cx="11542593" cy="2984333"/>
           </a:xfrm>
         </p:grpSpPr>
         <p:sp>
@@ -2744,7 +3185,7 @@
           </p:nvSpPr>
           <p:spPr>
             <a:xfrm>
-              <a:off x="5968800" y="3138480"/>
+              <a:off x="5974413" y="2317531"/>
               <a:ext cx="4053600" cy="1484280"/>
             </a:xfrm>
             <a:custGeom>
@@ -2803,8 +3244,8 @@
           </p:nvSpPr>
           <p:spPr>
             <a:xfrm>
-              <a:off x="5968800" y="3138480"/>
-              <a:ext cx="1208160" cy="1484280"/>
+              <a:off x="5968800" y="2111604"/>
+              <a:ext cx="1208160" cy="2463929"/>
             </a:xfrm>
             <a:custGeom>
               <a:avLst/>
@@ -2853,6 +3294,13 @@
             </a:effectRef>
             <a:fontRef idx="minor"/>
           </p:style>
+          <p:txBody>
+            <a:bodyPr/>
+            <a:lstStyle/>
+            <a:p>
+              <a:endParaRPr lang="fr-FR" dirty="0"/>
+            </a:p>
+          </p:txBody>
         </p:sp>
         <p:sp>
           <p:nvSpPr>
@@ -2862,8 +3310,8 @@
           </p:nvSpPr>
           <p:spPr>
             <a:xfrm>
-              <a:off x="4562640" y="3138480"/>
-              <a:ext cx="1405800" cy="1484280"/>
+              <a:off x="4563000" y="3096360"/>
+              <a:ext cx="1405800" cy="1188423"/>
             </a:xfrm>
             <a:custGeom>
               <a:avLst/>
@@ -2921,7 +3369,7 @@
           </p:nvSpPr>
           <p:spPr>
             <a:xfrm>
-              <a:off x="1694880" y="3138480"/>
+              <a:off x="1709920" y="2321562"/>
               <a:ext cx="4273920" cy="1484280"/>
             </a:xfrm>
             <a:custGeom>
@@ -3050,8 +3498,8 @@
           </p:nvSpPr>
           <p:spPr>
             <a:xfrm>
-              <a:off x="515520" y="4623480"/>
-              <a:ext cx="2358360" cy="755280"/>
+              <a:off x="551806" y="3747893"/>
+              <a:ext cx="2358360" cy="827640"/>
             </a:xfrm>
             <a:prstGeom prst="rect">
               <a:avLst/>
@@ -3122,7 +3570,7 @@
           </p:nvSpPr>
           <p:spPr>
             <a:xfrm>
-              <a:off x="3524040" y="4623480"/>
+              <a:off x="3383280" y="3733677"/>
               <a:ext cx="2076480" cy="827640"/>
             </a:xfrm>
             <a:prstGeom prst="rect">
@@ -3194,7 +3642,7 @@
           </p:nvSpPr>
           <p:spPr>
             <a:xfrm>
-              <a:off x="6251040" y="4623480"/>
+              <a:off x="6864129" y="3730024"/>
               <a:ext cx="1852200" cy="827640"/>
             </a:xfrm>
             <a:prstGeom prst="rect">
@@ -3244,7 +3692,7 @@
                 </a:spcAft>
               </a:pPr>
               <a:r>
-                <a:rPr lang="fr-FR" sz="2600" b="0" strike="noStrike" spc="-1">
+                <a:rPr lang="fr-FR" sz="2600" b="0" strike="noStrike" spc="-1" dirty="0">
                   <a:solidFill>
                     <a:srgbClr val="FFFFFF"/>
                   </a:solidFill>
@@ -3252,7 +3700,7 @@
                 </a:rPr>
                 <a:t>Livrable 3</a:t>
               </a:r>
-              <a:endParaRPr lang="fr-FR" sz="2600" b="0" strike="noStrike" spc="-1">
+              <a:endParaRPr lang="fr-FR" sz="2600" b="0" strike="noStrike" spc="-1" dirty="0">
                 <a:latin typeface="Arial"/>
               </a:endParaRPr>
             </a:p>
@@ -3266,8 +3714,8 @@
           </p:nvSpPr>
           <p:spPr>
             <a:xfrm>
-              <a:off x="8753760" y="4623480"/>
-              <a:ext cx="2538360" cy="798840"/>
+              <a:off x="9556039" y="3678461"/>
+              <a:ext cx="2538360" cy="827639"/>
             </a:xfrm>
             <a:prstGeom prst="rect">
               <a:avLst/>
@@ -3346,6 +3794,824 @@
           </a:xfrm>
         </p:grpSpPr>
       </p:grpSp>
+      <p:sp>
+        <p:nvSpPr>
+          <p:cNvPr id="15" name="CustomShape 8">
+            <a:extLst>
+              <a:ext uri="{FF2B5EF4-FFF2-40B4-BE49-F238E27FC236}">
+                <a16:creationId xmlns:a16="http://schemas.microsoft.com/office/drawing/2014/main" id="{BB361FBD-927F-4220-A2D6-9E537DF647CA}"/>
+              </a:ext>
+            </a:extLst>
+          </p:cNvPr>
+          <p:cNvSpPr/>
+          <p:nvPr/>
+        </p:nvSpPr>
+        <p:spPr>
+          <a:xfrm>
+            <a:off x="80280" y="5496187"/>
+            <a:ext cx="1585960" cy="699807"/>
+          </a:xfrm>
+          <a:prstGeom prst="rect">
+            <a:avLst/>
+          </a:prstGeom>
+          <a:solidFill>
+            <a:schemeClr val="accent2">
+              <a:hueOff val="0"/>
+              <a:satOff val="0"/>
+              <a:lumOff val="0"/>
+              <a:alphaOff val="0"/>
+            </a:schemeClr>
+          </a:solidFill>
+          <a:ln>
+            <a:solidFill>
+              <a:schemeClr val="lt1">
+                <a:hueOff val="0"/>
+                <a:satOff val="0"/>
+                <a:lumOff val="0"/>
+                <a:alphaOff val="0"/>
+              </a:schemeClr>
+            </a:solidFill>
+          </a:ln>
+        </p:spPr>
+        <p:style>
+          <a:lnRef idx="2">
+            <a:scrgbClr r="0" g="0" b="0"/>
+          </a:lnRef>
+          <a:fillRef idx="0">
+            <a:scrgbClr r="0" g="0" b="0"/>
+          </a:fillRef>
+          <a:effectRef idx="0">
+            <a:scrgbClr r="0" g="0" b="0"/>
+          </a:effectRef>
+          <a:fontRef idx="minor"/>
+        </p:style>
+        <p:txBody>
+          <a:bodyPr lIns="16560" tIns="16560" rIns="16560" bIns="16560" anchor="ctr"/>
+          <a:lstStyle/>
+          <a:p>
+            <a:pPr algn="ctr">
+              <a:lnSpc>
+                <a:spcPct val="90000"/>
+              </a:lnSpc>
+              <a:spcAft>
+                <a:spcPts val="910"/>
+              </a:spcAft>
+            </a:pPr>
+            <a:r>
+              <a:rPr lang="fr-FR" sz="2600" b="0" strike="noStrike" spc="-1" dirty="0">
+                <a:solidFill>
+                  <a:srgbClr val="FFFFFF"/>
+                </a:solidFill>
+                <a:latin typeface="Calibri"/>
+              </a:rPr>
+              <a:t>Analyse</a:t>
+            </a:r>
+          </a:p>
+        </p:txBody>
+      </p:sp>
+      <p:sp>
+        <p:nvSpPr>
+          <p:cNvPr id="16" name="CustomShape 8">
+            <a:extLst>
+              <a:ext uri="{FF2B5EF4-FFF2-40B4-BE49-F238E27FC236}">
+                <a16:creationId xmlns:a16="http://schemas.microsoft.com/office/drawing/2014/main" id="{2C9B5982-7C71-4C5D-BB51-F58E6455765B}"/>
+              </a:ext>
+            </a:extLst>
+          </p:cNvPr>
+          <p:cNvSpPr/>
+          <p:nvPr/>
+        </p:nvSpPr>
+        <p:spPr>
+          <a:xfrm>
+            <a:off x="1742645" y="5496187"/>
+            <a:ext cx="1585960" cy="699807"/>
+          </a:xfrm>
+          <a:prstGeom prst="rect">
+            <a:avLst/>
+          </a:prstGeom>
+          <a:solidFill>
+            <a:schemeClr val="accent2">
+              <a:hueOff val="0"/>
+              <a:satOff val="0"/>
+              <a:lumOff val="0"/>
+              <a:alphaOff val="0"/>
+            </a:schemeClr>
+          </a:solidFill>
+          <a:ln>
+            <a:solidFill>
+              <a:schemeClr val="lt1">
+                <a:hueOff val="0"/>
+                <a:satOff val="0"/>
+                <a:lumOff val="0"/>
+                <a:alphaOff val="0"/>
+              </a:schemeClr>
+            </a:solidFill>
+          </a:ln>
+        </p:spPr>
+        <p:style>
+          <a:lnRef idx="2">
+            <a:scrgbClr r="0" g="0" b="0"/>
+          </a:lnRef>
+          <a:fillRef idx="0">
+            <a:scrgbClr r="0" g="0" b="0"/>
+          </a:fillRef>
+          <a:effectRef idx="0">
+            <a:scrgbClr r="0" g="0" b="0"/>
+          </a:effectRef>
+          <a:fontRef idx="minor"/>
+        </p:style>
+        <p:txBody>
+          <a:bodyPr lIns="16560" tIns="16560" rIns="16560" bIns="16560" anchor="ctr"/>
+          <a:lstStyle/>
+          <a:p>
+            <a:pPr algn="ctr">
+              <a:lnSpc>
+                <a:spcPct val="90000"/>
+              </a:lnSpc>
+              <a:spcAft>
+                <a:spcPts val="910"/>
+              </a:spcAft>
+            </a:pPr>
+            <a:r>
+              <a:rPr lang="fr-FR" sz="2600" b="0" strike="noStrike" spc="-1" dirty="0">
+                <a:solidFill>
+                  <a:srgbClr val="FFFFFF"/>
+                </a:solidFill>
+                <a:latin typeface="Calibri"/>
+              </a:rPr>
+              <a:t>Documentation</a:t>
+            </a:r>
+          </a:p>
+        </p:txBody>
+      </p:sp>
+      <p:cxnSp>
+        <p:nvCxnSpPr>
+          <p:cNvPr id="3" name="Connecteur : en angle 2">
+            <a:extLst>
+              <a:ext uri="{FF2B5EF4-FFF2-40B4-BE49-F238E27FC236}">
+                <a16:creationId xmlns:a16="http://schemas.microsoft.com/office/drawing/2014/main" id="{E1E06BD2-70F8-4D9D-BC7A-65B673457E82}"/>
+              </a:ext>
+            </a:extLst>
+          </p:cNvPr>
+          <p:cNvCxnSpPr>
+            <a:cxnSpLocks/>
+            <a:stCxn id="15" idx="0"/>
+            <a:endCxn id="152" idx="2"/>
+          </p:cNvCxnSpPr>
+          <p:nvPr/>
+        </p:nvCxnSpPr>
+        <p:spPr>
+          <a:xfrm rot="5400000" flipH="1" flipV="1">
+            <a:off x="754941" y="4529568"/>
+            <a:ext cx="1084939" cy="848300"/>
+          </a:xfrm>
+          <a:prstGeom prst="bentConnector3">
+            <a:avLst/>
+          </a:prstGeom>
+          <a:ln w="28575"/>
+        </p:spPr>
+        <p:style>
+          <a:lnRef idx="1">
+            <a:schemeClr val="accent2"/>
+          </a:lnRef>
+          <a:fillRef idx="0">
+            <a:schemeClr val="accent2"/>
+          </a:fillRef>
+          <a:effectRef idx="0">
+            <a:schemeClr val="accent2"/>
+          </a:effectRef>
+          <a:fontRef idx="minor">
+            <a:schemeClr val="tx1"/>
+          </a:fontRef>
+        </p:style>
+      </p:cxnSp>
+      <p:cxnSp>
+        <p:nvCxnSpPr>
+          <p:cNvPr id="6" name="Connecteur : en angle 5">
+            <a:extLst>
+              <a:ext uri="{FF2B5EF4-FFF2-40B4-BE49-F238E27FC236}">
+                <a16:creationId xmlns:a16="http://schemas.microsoft.com/office/drawing/2014/main" id="{7725EFDD-13F1-4AB9-BF04-578A3A5E3D91}"/>
+              </a:ext>
+            </a:extLst>
+          </p:cNvPr>
+          <p:cNvCxnSpPr>
+            <a:cxnSpLocks/>
+            <a:stCxn id="16" idx="0"/>
+            <a:endCxn id="152" idx="2"/>
+          </p:cNvCxnSpPr>
+          <p:nvPr/>
+        </p:nvCxnSpPr>
+        <p:spPr>
+          <a:xfrm rot="16200000" flipV="1">
+            <a:off x="1586124" y="4546685"/>
+            <a:ext cx="1084939" cy="814065"/>
+          </a:xfrm>
+          <a:prstGeom prst="bentConnector3">
+            <a:avLst/>
+          </a:prstGeom>
+          <a:ln w="28575"/>
+        </p:spPr>
+        <p:style>
+          <a:lnRef idx="1">
+            <a:schemeClr val="accent2"/>
+          </a:lnRef>
+          <a:fillRef idx="0">
+            <a:schemeClr val="accent2"/>
+          </a:fillRef>
+          <a:effectRef idx="0">
+            <a:schemeClr val="accent2"/>
+          </a:effectRef>
+          <a:fontRef idx="minor">
+            <a:schemeClr val="tx1"/>
+          </a:fontRef>
+        </p:style>
+      </p:cxnSp>
+      <p:sp>
+        <p:nvSpPr>
+          <p:cNvPr id="24" name="CustomShape 8">
+            <a:extLst>
+              <a:ext uri="{FF2B5EF4-FFF2-40B4-BE49-F238E27FC236}">
+                <a16:creationId xmlns:a16="http://schemas.microsoft.com/office/drawing/2014/main" id="{F15B042B-ADBA-4591-B348-D8B6755F8AAB}"/>
+              </a:ext>
+            </a:extLst>
+          </p:cNvPr>
+          <p:cNvSpPr/>
+          <p:nvPr/>
+        </p:nvSpPr>
+        <p:spPr>
+          <a:xfrm>
+            <a:off x="3512129" y="5501935"/>
+            <a:ext cx="1585960" cy="699807"/>
+          </a:xfrm>
+          <a:prstGeom prst="rect">
+            <a:avLst/>
+          </a:prstGeom>
+          <a:solidFill>
+            <a:schemeClr val="accent2">
+              <a:hueOff val="0"/>
+              <a:satOff val="0"/>
+              <a:lumOff val="0"/>
+              <a:alphaOff val="0"/>
+            </a:schemeClr>
+          </a:solidFill>
+          <a:ln>
+            <a:solidFill>
+              <a:schemeClr val="lt1">
+                <a:hueOff val="0"/>
+                <a:satOff val="0"/>
+                <a:lumOff val="0"/>
+                <a:alphaOff val="0"/>
+              </a:schemeClr>
+            </a:solidFill>
+          </a:ln>
+        </p:spPr>
+        <p:style>
+          <a:lnRef idx="2">
+            <a:scrgbClr r="0" g="0" b="0"/>
+          </a:lnRef>
+          <a:fillRef idx="0">
+            <a:scrgbClr r="0" g="0" b="0"/>
+          </a:fillRef>
+          <a:effectRef idx="0">
+            <a:scrgbClr r="0" g="0" b="0"/>
+          </a:effectRef>
+          <a:fontRef idx="minor"/>
+        </p:style>
+        <p:txBody>
+          <a:bodyPr lIns="16560" tIns="16560" rIns="16560" bIns="16560" anchor="ctr"/>
+          <a:lstStyle/>
+          <a:p>
+            <a:pPr algn="ctr">
+              <a:lnSpc>
+                <a:spcPct val="90000"/>
+              </a:lnSpc>
+              <a:spcAft>
+                <a:spcPts val="910"/>
+              </a:spcAft>
+            </a:pPr>
+            <a:r>
+              <a:rPr lang="fr-FR" sz="2600" b="0" strike="noStrike" spc="-1" dirty="0">
+                <a:solidFill>
+                  <a:srgbClr val="FFFFFF"/>
+                </a:solidFill>
+                <a:latin typeface="Calibri"/>
+              </a:rPr>
+              <a:t>Modélisation</a:t>
+            </a:r>
+          </a:p>
+        </p:txBody>
+      </p:sp>
+      <p:sp>
+        <p:nvSpPr>
+          <p:cNvPr id="27" name="CustomShape 8">
+            <a:extLst>
+              <a:ext uri="{FF2B5EF4-FFF2-40B4-BE49-F238E27FC236}">
+                <a16:creationId xmlns:a16="http://schemas.microsoft.com/office/drawing/2014/main" id="{71EB46A8-1B0E-4E4D-840C-2478C1827A5C}"/>
+              </a:ext>
+            </a:extLst>
+          </p:cNvPr>
+          <p:cNvSpPr/>
+          <p:nvPr/>
+        </p:nvSpPr>
+        <p:spPr>
+          <a:xfrm>
+            <a:off x="5232250" y="5496187"/>
+            <a:ext cx="1585960" cy="699807"/>
+          </a:xfrm>
+          <a:prstGeom prst="rect">
+            <a:avLst/>
+          </a:prstGeom>
+          <a:solidFill>
+            <a:schemeClr val="accent2">
+              <a:hueOff val="0"/>
+              <a:satOff val="0"/>
+              <a:lumOff val="0"/>
+              <a:alphaOff val="0"/>
+            </a:schemeClr>
+          </a:solidFill>
+          <a:ln>
+            <a:solidFill>
+              <a:schemeClr val="lt1">
+                <a:hueOff val="0"/>
+                <a:satOff val="0"/>
+                <a:lumOff val="0"/>
+                <a:alphaOff val="0"/>
+              </a:schemeClr>
+            </a:solidFill>
+          </a:ln>
+        </p:spPr>
+        <p:style>
+          <a:lnRef idx="2">
+            <a:scrgbClr r="0" g="0" b="0"/>
+          </a:lnRef>
+          <a:fillRef idx="0">
+            <a:scrgbClr r="0" g="0" b="0"/>
+          </a:fillRef>
+          <a:effectRef idx="0">
+            <a:scrgbClr r="0" g="0" b="0"/>
+          </a:effectRef>
+          <a:fontRef idx="minor"/>
+        </p:style>
+        <p:txBody>
+          <a:bodyPr lIns="16560" tIns="16560" rIns="16560" bIns="16560" anchor="ctr"/>
+          <a:lstStyle/>
+          <a:p>
+            <a:pPr algn="ctr">
+              <a:lnSpc>
+                <a:spcPct val="90000"/>
+              </a:lnSpc>
+              <a:spcAft>
+                <a:spcPts val="910"/>
+              </a:spcAft>
+            </a:pPr>
+            <a:r>
+              <a:rPr lang="fr-FR" sz="2600" b="0" strike="noStrike" spc="-1" dirty="0">
+                <a:solidFill>
+                  <a:srgbClr val="FFFFFF"/>
+                </a:solidFill>
+                <a:latin typeface="Calibri"/>
+              </a:rPr>
+              <a:t>Choix techniques</a:t>
+            </a:r>
+          </a:p>
+        </p:txBody>
+      </p:sp>
+      <p:cxnSp>
+        <p:nvCxnSpPr>
+          <p:cNvPr id="11" name="Connecteur : en angle 10">
+            <a:extLst>
+              <a:ext uri="{FF2B5EF4-FFF2-40B4-BE49-F238E27FC236}">
+                <a16:creationId xmlns:a16="http://schemas.microsoft.com/office/drawing/2014/main" id="{398F0C1E-1A4A-4F38-A2FE-A0592F1EBF7E}"/>
+              </a:ext>
+            </a:extLst>
+          </p:cNvPr>
+          <p:cNvCxnSpPr>
+            <a:cxnSpLocks/>
+            <a:stCxn id="24" idx="0"/>
+            <a:endCxn id="153" idx="2"/>
+          </p:cNvCxnSpPr>
+          <p:nvPr/>
+        </p:nvCxnSpPr>
+        <p:spPr>
+          <a:xfrm rot="5400000" flipH="1" flipV="1">
+            <a:off x="3806150" y="4895992"/>
+            <a:ext cx="1104903" cy="106985"/>
+          </a:xfrm>
+          <a:prstGeom prst="bentConnector3">
+            <a:avLst/>
+          </a:prstGeom>
+          <a:ln w="28575"/>
+        </p:spPr>
+        <p:style>
+          <a:lnRef idx="1">
+            <a:schemeClr val="accent2"/>
+          </a:lnRef>
+          <a:fillRef idx="0">
+            <a:schemeClr val="accent2"/>
+          </a:fillRef>
+          <a:effectRef idx="0">
+            <a:schemeClr val="accent2"/>
+          </a:effectRef>
+          <a:fontRef idx="minor">
+            <a:schemeClr val="tx1"/>
+          </a:fontRef>
+        </p:style>
+      </p:cxnSp>
+      <p:cxnSp>
+        <p:nvCxnSpPr>
+          <p:cNvPr id="19" name="Connecteur : en angle 18">
+            <a:extLst>
+              <a:ext uri="{FF2B5EF4-FFF2-40B4-BE49-F238E27FC236}">
+                <a16:creationId xmlns:a16="http://schemas.microsoft.com/office/drawing/2014/main" id="{CE9FB813-0742-47A9-979F-F35EB892CA02}"/>
+              </a:ext>
+            </a:extLst>
+          </p:cNvPr>
+          <p:cNvCxnSpPr>
+            <a:cxnSpLocks/>
+            <a:stCxn id="27" idx="0"/>
+            <a:endCxn id="153" idx="2"/>
+          </p:cNvCxnSpPr>
+          <p:nvPr/>
+        </p:nvCxnSpPr>
+        <p:spPr>
+          <a:xfrm rot="16200000" flipV="1">
+            <a:off x="4669085" y="4140042"/>
+            <a:ext cx="1099155" cy="1613136"/>
+          </a:xfrm>
+          <a:prstGeom prst="bentConnector3">
+            <a:avLst/>
+          </a:prstGeom>
+          <a:ln w="28575"/>
+        </p:spPr>
+        <p:style>
+          <a:lnRef idx="1">
+            <a:schemeClr val="accent2"/>
+          </a:lnRef>
+          <a:fillRef idx="0">
+            <a:schemeClr val="accent2"/>
+          </a:fillRef>
+          <a:effectRef idx="0">
+            <a:schemeClr val="accent2"/>
+          </a:effectRef>
+          <a:fontRef idx="minor">
+            <a:schemeClr val="tx1"/>
+          </a:fontRef>
+        </p:style>
+      </p:cxnSp>
+      <p:sp>
+        <p:nvSpPr>
+          <p:cNvPr id="36" name="CustomShape 8">
+            <a:extLst>
+              <a:ext uri="{FF2B5EF4-FFF2-40B4-BE49-F238E27FC236}">
+                <a16:creationId xmlns:a16="http://schemas.microsoft.com/office/drawing/2014/main" id="{6916BBA6-B4F6-4F22-8494-E4783A9D3FD6}"/>
+              </a:ext>
+            </a:extLst>
+          </p:cNvPr>
+          <p:cNvSpPr/>
+          <p:nvPr/>
+        </p:nvSpPr>
+        <p:spPr>
+          <a:xfrm>
+            <a:off x="7039306" y="5455968"/>
+            <a:ext cx="1482993" cy="699807"/>
+          </a:xfrm>
+          <a:prstGeom prst="rect">
+            <a:avLst/>
+          </a:prstGeom>
+          <a:solidFill>
+            <a:schemeClr val="accent2">
+              <a:hueOff val="0"/>
+              <a:satOff val="0"/>
+              <a:lumOff val="0"/>
+              <a:alphaOff val="0"/>
+            </a:schemeClr>
+          </a:solidFill>
+          <a:ln>
+            <a:solidFill>
+              <a:schemeClr val="lt1">
+                <a:hueOff val="0"/>
+                <a:satOff val="0"/>
+                <a:lumOff val="0"/>
+                <a:alphaOff val="0"/>
+              </a:schemeClr>
+            </a:solidFill>
+          </a:ln>
+        </p:spPr>
+        <p:style>
+          <a:lnRef idx="2">
+            <a:scrgbClr r="0" g="0" b="0"/>
+          </a:lnRef>
+          <a:fillRef idx="0">
+            <a:scrgbClr r="0" g="0" b="0"/>
+          </a:fillRef>
+          <a:effectRef idx="0">
+            <a:scrgbClr r="0" g="0" b="0"/>
+          </a:effectRef>
+          <a:fontRef idx="minor"/>
+        </p:style>
+        <p:txBody>
+          <a:bodyPr lIns="16560" tIns="16560" rIns="16560" bIns="16560" anchor="ctr"/>
+          <a:lstStyle/>
+          <a:p>
+            <a:pPr algn="ctr">
+              <a:lnSpc>
+                <a:spcPct val="90000"/>
+              </a:lnSpc>
+              <a:spcAft>
+                <a:spcPts val="910"/>
+              </a:spcAft>
+            </a:pPr>
+            <a:r>
+              <a:rPr lang="fr-FR" sz="2600" b="0" strike="noStrike" spc="-1" dirty="0" err="1">
+                <a:solidFill>
+                  <a:srgbClr val="FFFFFF"/>
+                </a:solidFill>
+                <a:latin typeface="Calibri"/>
+              </a:rPr>
+              <a:t>Dévelopement</a:t>
+            </a:r>
+            <a:endParaRPr lang="fr-FR" sz="2600" b="0" strike="noStrike" spc="-1" dirty="0">
+              <a:solidFill>
+                <a:srgbClr val="FFFFFF"/>
+              </a:solidFill>
+              <a:latin typeface="Calibri"/>
+            </a:endParaRPr>
+          </a:p>
+        </p:txBody>
+      </p:sp>
+      <p:sp>
+        <p:nvSpPr>
+          <p:cNvPr id="37" name="CustomShape 8">
+            <a:extLst>
+              <a:ext uri="{FF2B5EF4-FFF2-40B4-BE49-F238E27FC236}">
+                <a16:creationId xmlns:a16="http://schemas.microsoft.com/office/drawing/2014/main" id="{41089812-5ACA-4EF6-8CF5-907E985E83BE}"/>
+              </a:ext>
+            </a:extLst>
+          </p:cNvPr>
+          <p:cNvSpPr/>
+          <p:nvPr/>
+        </p:nvSpPr>
+        <p:spPr>
+          <a:xfrm>
+            <a:off x="8772627" y="5496186"/>
+            <a:ext cx="1585960" cy="699807"/>
+          </a:xfrm>
+          <a:prstGeom prst="rect">
+            <a:avLst/>
+          </a:prstGeom>
+          <a:solidFill>
+            <a:schemeClr val="accent2">
+              <a:hueOff val="0"/>
+              <a:satOff val="0"/>
+              <a:lumOff val="0"/>
+              <a:alphaOff val="0"/>
+            </a:schemeClr>
+          </a:solidFill>
+          <a:ln>
+            <a:solidFill>
+              <a:schemeClr val="lt1">
+                <a:hueOff val="0"/>
+                <a:satOff val="0"/>
+                <a:lumOff val="0"/>
+                <a:alphaOff val="0"/>
+              </a:schemeClr>
+            </a:solidFill>
+          </a:ln>
+        </p:spPr>
+        <p:style>
+          <a:lnRef idx="2">
+            <a:scrgbClr r="0" g="0" b="0"/>
+          </a:lnRef>
+          <a:fillRef idx="0">
+            <a:scrgbClr r="0" g="0" b="0"/>
+          </a:fillRef>
+          <a:effectRef idx="0">
+            <a:scrgbClr r="0" g="0" b="0"/>
+          </a:effectRef>
+          <a:fontRef idx="minor"/>
+        </p:style>
+        <p:txBody>
+          <a:bodyPr lIns="16560" tIns="16560" rIns="16560" bIns="16560" anchor="ctr"/>
+          <a:lstStyle/>
+          <a:p>
+            <a:pPr algn="ctr">
+              <a:lnSpc>
+                <a:spcPct val="90000"/>
+              </a:lnSpc>
+              <a:spcAft>
+                <a:spcPts val="910"/>
+              </a:spcAft>
+            </a:pPr>
+            <a:r>
+              <a:rPr lang="fr-FR" sz="2600" b="0" strike="noStrike" spc="-1" dirty="0">
+                <a:solidFill>
+                  <a:srgbClr val="FFFFFF"/>
+                </a:solidFill>
+                <a:latin typeface="Calibri"/>
+              </a:rPr>
+              <a:t>gestion</a:t>
+            </a:r>
+          </a:p>
+        </p:txBody>
+      </p:sp>
+      <p:cxnSp>
+        <p:nvCxnSpPr>
+          <p:cNvPr id="22" name="Connecteur : en angle 21">
+            <a:extLst>
+              <a:ext uri="{FF2B5EF4-FFF2-40B4-BE49-F238E27FC236}">
+                <a16:creationId xmlns:a16="http://schemas.microsoft.com/office/drawing/2014/main" id="{0A622552-BD0C-41FF-908F-E882E1A9D011}"/>
+              </a:ext>
+            </a:extLst>
+          </p:cNvPr>
+          <p:cNvCxnSpPr>
+            <a:cxnSpLocks/>
+            <a:stCxn id="36" idx="0"/>
+            <a:endCxn id="154" idx="2"/>
+          </p:cNvCxnSpPr>
+          <p:nvPr/>
+        </p:nvCxnSpPr>
+        <p:spPr>
+          <a:xfrm rot="5400000" flipH="1" flipV="1">
+            <a:off x="7249509" y="4924674"/>
+            <a:ext cx="1062589" cy="12700"/>
+          </a:xfrm>
+          <a:prstGeom prst="bentConnector3">
+            <a:avLst/>
+          </a:prstGeom>
+          <a:ln w="28575"/>
+        </p:spPr>
+        <p:style>
+          <a:lnRef idx="1">
+            <a:schemeClr val="accent2"/>
+          </a:lnRef>
+          <a:fillRef idx="0">
+            <a:schemeClr val="accent2"/>
+          </a:fillRef>
+          <a:effectRef idx="0">
+            <a:schemeClr val="accent2"/>
+          </a:effectRef>
+          <a:fontRef idx="minor">
+            <a:schemeClr val="tx1"/>
+          </a:fontRef>
+        </p:style>
+      </p:cxnSp>
+      <p:cxnSp>
+        <p:nvCxnSpPr>
+          <p:cNvPr id="30" name="Connecteur : en angle 29">
+            <a:extLst>
+              <a:ext uri="{FF2B5EF4-FFF2-40B4-BE49-F238E27FC236}">
+                <a16:creationId xmlns:a16="http://schemas.microsoft.com/office/drawing/2014/main" id="{01AC2EE7-3E5F-4AC8-8A39-1645E8941658}"/>
+              </a:ext>
+            </a:extLst>
+          </p:cNvPr>
+          <p:cNvCxnSpPr>
+            <a:cxnSpLocks/>
+            <a:stCxn id="37" idx="0"/>
+            <a:endCxn id="154" idx="2"/>
+          </p:cNvCxnSpPr>
+          <p:nvPr/>
+        </p:nvCxnSpPr>
+        <p:spPr>
+          <a:xfrm rot="16200000" flipV="1">
+            <a:off x="8121802" y="4052381"/>
+            <a:ext cx="1102807" cy="1784804"/>
+          </a:xfrm>
+          <a:prstGeom prst="bentConnector3">
+            <a:avLst/>
+          </a:prstGeom>
+          <a:ln w="28575"/>
+        </p:spPr>
+        <p:style>
+          <a:lnRef idx="1">
+            <a:schemeClr val="accent2"/>
+          </a:lnRef>
+          <a:fillRef idx="0">
+            <a:schemeClr val="accent2"/>
+          </a:fillRef>
+          <a:effectRef idx="0">
+            <a:schemeClr val="accent2"/>
+          </a:effectRef>
+          <a:fontRef idx="minor">
+            <a:schemeClr val="tx1"/>
+          </a:fontRef>
+        </p:style>
+      </p:cxnSp>
+      <p:sp>
+        <p:nvSpPr>
+          <p:cNvPr id="47" name="CustomShape 8">
+            <a:extLst>
+              <a:ext uri="{FF2B5EF4-FFF2-40B4-BE49-F238E27FC236}">
+                <a16:creationId xmlns:a16="http://schemas.microsoft.com/office/drawing/2014/main" id="{560E1668-1027-40E7-8C85-163C8F053239}"/>
+              </a:ext>
+            </a:extLst>
+          </p:cNvPr>
+          <p:cNvSpPr/>
+          <p:nvPr/>
+        </p:nvSpPr>
+        <p:spPr>
+          <a:xfrm>
+            <a:off x="10508823" y="5496186"/>
+            <a:ext cx="1585960" cy="699807"/>
+          </a:xfrm>
+          <a:prstGeom prst="rect">
+            <a:avLst/>
+          </a:prstGeom>
+          <a:solidFill>
+            <a:schemeClr val="accent2">
+              <a:hueOff val="0"/>
+              <a:satOff val="0"/>
+              <a:lumOff val="0"/>
+              <a:alphaOff val="0"/>
+            </a:schemeClr>
+          </a:solidFill>
+          <a:ln>
+            <a:solidFill>
+              <a:schemeClr val="lt1">
+                <a:hueOff val="0"/>
+                <a:satOff val="0"/>
+                <a:lumOff val="0"/>
+                <a:alphaOff val="0"/>
+              </a:schemeClr>
+            </a:solidFill>
+          </a:ln>
+        </p:spPr>
+        <p:style>
+          <a:lnRef idx="2">
+            <a:scrgbClr r="0" g="0" b="0"/>
+          </a:lnRef>
+          <a:fillRef idx="0">
+            <a:scrgbClr r="0" g="0" b="0"/>
+          </a:fillRef>
+          <a:effectRef idx="0">
+            <a:scrgbClr r="0" g="0" b="0"/>
+          </a:effectRef>
+          <a:fontRef idx="minor"/>
+        </p:style>
+        <p:txBody>
+          <a:bodyPr lIns="16560" tIns="16560" rIns="16560" bIns="16560" anchor="ctr"/>
+          <a:lstStyle/>
+          <a:p>
+            <a:pPr algn="ctr">
+              <a:lnSpc>
+                <a:spcPct val="90000"/>
+              </a:lnSpc>
+              <a:spcAft>
+                <a:spcPts val="910"/>
+              </a:spcAft>
+            </a:pPr>
+            <a:r>
+              <a:rPr lang="fr-FR" sz="2600" b="0" strike="noStrike" spc="-1" dirty="0">
+                <a:solidFill>
+                  <a:srgbClr val="FFFFFF"/>
+                </a:solidFill>
+                <a:latin typeface="Calibri"/>
+              </a:rPr>
+              <a:t>Rapport final</a:t>
+            </a:r>
+          </a:p>
+        </p:txBody>
+      </p:sp>
+      <p:cxnSp>
+        <p:nvCxnSpPr>
+          <p:cNvPr id="33" name="Connecteur : en angle 32">
+            <a:extLst>
+              <a:ext uri="{FF2B5EF4-FFF2-40B4-BE49-F238E27FC236}">
+                <a16:creationId xmlns:a16="http://schemas.microsoft.com/office/drawing/2014/main" id="{0D2A3786-AF01-46B7-AB4B-F70F0EBEE1E1}"/>
+              </a:ext>
+            </a:extLst>
+          </p:cNvPr>
+          <p:cNvCxnSpPr>
+            <a:cxnSpLocks/>
+            <a:stCxn id="47" idx="0"/>
+            <a:endCxn id="155" idx="2"/>
+          </p:cNvCxnSpPr>
+          <p:nvPr/>
+        </p:nvCxnSpPr>
+        <p:spPr>
+          <a:xfrm rot="16200000" flipV="1">
+            <a:off x="10481613" y="4675996"/>
+            <a:ext cx="1154371" cy="486010"/>
+          </a:xfrm>
+          <a:prstGeom prst="bentConnector3">
+            <a:avLst/>
+          </a:prstGeom>
+          <a:ln w="28575"/>
+        </p:spPr>
+        <p:style>
+          <a:lnRef idx="1">
+            <a:schemeClr val="accent2"/>
+          </a:lnRef>
+          <a:fillRef idx="0">
+            <a:schemeClr val="accent2"/>
+          </a:fillRef>
+          <a:effectRef idx="0">
+            <a:schemeClr val="accent2"/>
+          </a:effectRef>
+          <a:fontRef idx="minor">
+            <a:schemeClr val="tx1"/>
+          </a:fontRef>
+        </p:style>
+      </p:cxnSp>
     </p:spTree>
   </p:cSld>
   <p:clrMapOvr>
@@ -11765,4 +13031,299 @@
   <a:objectDefaults/>
   <a:extraClrSchemeLst/>
 </a:theme>
+</file>
+
+<file path=ppt/theme/theme2.xml><?xml version="1.0" encoding="utf-8"?>
+<a:theme xmlns:a="http://schemas.openxmlformats.org/drawingml/2006/main" name="Thème Office">
+  <a:themeElements>
+    <a:clrScheme name="Office">
+      <a:dk1>
+        <a:sysClr val="windowText" lastClr="000000"/>
+      </a:dk1>
+      <a:lt1>
+        <a:sysClr val="window" lastClr="FFFFFF"/>
+      </a:lt1>
+      <a:dk2>
+        <a:srgbClr val="44546A"/>
+      </a:dk2>
+      <a:lt2>
+        <a:srgbClr val="E7E6E6"/>
+      </a:lt2>
+      <a:accent1>
+        <a:srgbClr val="4472C4"/>
+      </a:accent1>
+      <a:accent2>
+        <a:srgbClr val="ED7D31"/>
+      </a:accent2>
+      <a:accent3>
+        <a:srgbClr val="A5A5A5"/>
+      </a:accent3>
+      <a:accent4>
+        <a:srgbClr val="FFC000"/>
+      </a:accent4>
+      <a:accent5>
+        <a:srgbClr val="5B9BD5"/>
+      </a:accent5>
+      <a:accent6>
+        <a:srgbClr val="70AD47"/>
+      </a:accent6>
+      <a:hlink>
+        <a:srgbClr val="0563C1"/>
+      </a:hlink>
+      <a:folHlink>
+        <a:srgbClr val="954F72"/>
+      </a:folHlink>
+    </a:clrScheme>
+    <a:fontScheme name="Office">
+      <a:majorFont>
+        <a:latin typeface="Calibri Light" panose="020F0302020204030204"/>
+        <a:ea typeface=""/>
+        <a:cs typeface=""/>
+        <a:font script="Jpan" typeface="游ゴシック Light"/>
+        <a:font script="Hang" typeface="맑은 고딕"/>
+        <a:font script="Hans" typeface="等线 Light"/>
+        <a:font script="Hant" typeface="新細明體"/>
+        <a:font script="Arab" typeface="Times New Roman"/>
+        <a:font script="Hebr" typeface="Times New Roman"/>
+        <a:font script="Thai" typeface="Angsana New"/>
+        <a:font script="Ethi" typeface="Nyala"/>
+        <a:font script="Beng" typeface="Vrinda"/>
+        <a:font script="Gujr" typeface="Shruti"/>
+        <a:font script="Khmr" typeface="MoolBoran"/>
+        <a:font script="Knda" typeface="Tunga"/>
+        <a:font script="Guru" typeface="Raavi"/>
+        <a:font script="Cans" typeface="Euphemia"/>
+        <a:font script="Cher" typeface="Plantagenet Cherokee"/>
+        <a:font script="Yiii" typeface="Microsoft Yi Baiti"/>
+        <a:font script="Tibt" typeface="Microsoft Himalaya"/>
+        <a:font script="Thaa" typeface="MV Boli"/>
+        <a:font script="Deva" typeface="Mangal"/>
+        <a:font script="Telu" typeface="Gautami"/>
+        <a:font script="Taml" typeface="Latha"/>
+        <a:font script="Syrc" typeface="Estrangelo Edessa"/>
+        <a:font script="Orya" typeface="Kalinga"/>
+        <a:font script="Mlym" typeface="Kartika"/>
+        <a:font script="Laoo" typeface="DokChampa"/>
+        <a:font script="Sinh" typeface="Iskoola Pota"/>
+        <a:font script="Mong" typeface="Mongolian Baiti"/>
+        <a:font script="Viet" typeface="Times New Roman"/>
+        <a:font script="Uigh" typeface="Microsoft Uighur"/>
+        <a:font script="Geor" typeface="Sylfaen"/>
+        <a:font script="Armn" typeface="Arial"/>
+        <a:font script="Bugi" typeface="Leelawadee UI"/>
+        <a:font script="Bopo" typeface="Microsoft JhengHei"/>
+        <a:font script="Java" typeface="Javanese Text"/>
+        <a:font script="Lisu" typeface="Segoe UI"/>
+        <a:font script="Mymr" typeface="Myanmar Text"/>
+        <a:font script="Nkoo" typeface="Ebrima"/>
+        <a:font script="Olck" typeface="Nirmala UI"/>
+        <a:font script="Osma" typeface="Ebrima"/>
+        <a:font script="Phag" typeface="Phagspa"/>
+        <a:font script="Syrn" typeface="Estrangelo Edessa"/>
+        <a:font script="Syrj" typeface="Estrangelo Edessa"/>
+        <a:font script="Syre" typeface="Estrangelo Edessa"/>
+        <a:font script="Sora" typeface="Nirmala UI"/>
+        <a:font script="Tale" typeface="Microsoft Tai Le"/>
+        <a:font script="Talu" typeface="Microsoft New Tai Lue"/>
+        <a:font script="Tfng" typeface="Ebrima"/>
+      </a:majorFont>
+      <a:minorFont>
+        <a:latin typeface="Calibri" panose="020F0502020204030204"/>
+        <a:ea typeface=""/>
+        <a:cs typeface=""/>
+        <a:font script="Jpan" typeface="游ゴシック"/>
+        <a:font script="Hang" typeface="맑은 고딕"/>
+        <a:font script="Hans" typeface="等线"/>
+        <a:font script="Hant" typeface="新細明體"/>
+        <a:font script="Arab" typeface="Arial"/>
+        <a:font script="Hebr" typeface="Arial"/>
+        <a:font script="Thai" typeface="Cordia New"/>
+        <a:font script="Ethi" typeface="Nyala"/>
+        <a:font script="Beng" typeface="Vrinda"/>
+        <a:font script="Gujr" typeface="Shruti"/>
+        <a:font script="Khmr" typeface="DaunPenh"/>
+        <a:font script="Knda" typeface="Tunga"/>
+        <a:font script="Guru" typeface="Raavi"/>
+        <a:font script="Cans" typeface="Euphemia"/>
+        <a:font script="Cher" typeface="Plantagenet Cherokee"/>
+        <a:font script="Yiii" typeface="Microsoft Yi Baiti"/>
+        <a:font script="Tibt" typeface="Microsoft Himalaya"/>
+        <a:font script="Thaa" typeface="MV Boli"/>
+        <a:font script="Deva" typeface="Mangal"/>
+        <a:font script="Telu" typeface="Gautami"/>
+        <a:font script="Taml" typeface="Latha"/>
+        <a:font script="Syrc" typeface="Estrangelo Edessa"/>
+        <a:font script="Orya" typeface="Kalinga"/>
+        <a:font script="Mlym" typeface="Kartika"/>
+        <a:font script="Laoo" typeface="DokChampa"/>
+        <a:font script="Sinh" typeface="Iskoola Pota"/>
+        <a:font script="Mong" typeface="Mongolian Baiti"/>
+        <a:font script="Viet" typeface="Arial"/>
+        <a:font script="Uigh" typeface="Microsoft Uighur"/>
+        <a:font script="Geor" typeface="Sylfaen"/>
+        <a:font script="Armn" typeface="Arial"/>
+        <a:font script="Bugi" typeface="Leelawadee UI"/>
+        <a:font script="Bopo" typeface="Microsoft JhengHei"/>
+        <a:font script="Java" typeface="Javanese Text"/>
+        <a:font script="Lisu" typeface="Segoe UI"/>
+        <a:font script="Mymr" typeface="Myanmar Text"/>
+        <a:font script="Nkoo" typeface="Ebrima"/>
+        <a:font script="Olck" typeface="Nirmala UI"/>
+        <a:font script="Osma" typeface="Ebrima"/>
+        <a:font script="Phag" typeface="Phagspa"/>
+        <a:font script="Syrn" typeface="Estrangelo Edessa"/>
+        <a:font script="Syrj" typeface="Estrangelo Edessa"/>
+        <a:font script="Syre" typeface="Estrangelo Edessa"/>
+        <a:font script="Sora" typeface="Nirmala UI"/>
+        <a:font script="Tale" typeface="Microsoft Tai Le"/>
+        <a:font script="Talu" typeface="Microsoft New Tai Lue"/>
+        <a:font script="Tfng" typeface="Ebrima"/>
+      </a:minorFont>
+    </a:fontScheme>
+    <a:fmtScheme name="Office">
+      <a:fillStyleLst>
+        <a:solidFill>
+          <a:schemeClr val="phClr"/>
+        </a:solidFill>
+        <a:gradFill rotWithShape="1">
+          <a:gsLst>
+            <a:gs pos="0">
+              <a:schemeClr val="phClr">
+                <a:lumMod val="110000"/>
+                <a:satMod val="105000"/>
+                <a:tint val="67000"/>
+              </a:schemeClr>
+            </a:gs>
+            <a:gs pos="50000">
+              <a:schemeClr val="phClr">
+                <a:lumMod val="105000"/>
+                <a:satMod val="103000"/>
+                <a:tint val="73000"/>
+              </a:schemeClr>
+            </a:gs>
+            <a:gs pos="100000">
+              <a:schemeClr val="phClr">
+                <a:lumMod val="105000"/>
+                <a:satMod val="109000"/>
+                <a:tint val="81000"/>
+              </a:schemeClr>
+            </a:gs>
+          </a:gsLst>
+          <a:lin ang="5400000" scaled="0"/>
+        </a:gradFill>
+        <a:gradFill rotWithShape="1">
+          <a:gsLst>
+            <a:gs pos="0">
+              <a:schemeClr val="phClr">
+                <a:satMod val="103000"/>
+                <a:lumMod val="102000"/>
+                <a:tint val="94000"/>
+              </a:schemeClr>
+            </a:gs>
+            <a:gs pos="50000">
+              <a:schemeClr val="phClr">
+                <a:satMod val="110000"/>
+                <a:lumMod val="100000"/>
+                <a:shade val="100000"/>
+              </a:schemeClr>
+            </a:gs>
+            <a:gs pos="100000">
+              <a:schemeClr val="phClr">
+                <a:lumMod val="99000"/>
+                <a:satMod val="120000"/>
+                <a:shade val="78000"/>
+              </a:schemeClr>
+            </a:gs>
+          </a:gsLst>
+          <a:lin ang="5400000" scaled="0"/>
+        </a:gradFill>
+      </a:fillStyleLst>
+      <a:lnStyleLst>
+        <a:ln w="6350" cap="flat" cmpd="sng" algn="ctr">
+          <a:solidFill>
+            <a:schemeClr val="phClr"/>
+          </a:solidFill>
+          <a:prstDash val="solid"/>
+          <a:miter lim="800000"/>
+        </a:ln>
+        <a:ln w="12700" cap="flat" cmpd="sng" algn="ctr">
+          <a:solidFill>
+            <a:schemeClr val="phClr"/>
+          </a:solidFill>
+          <a:prstDash val="solid"/>
+          <a:miter lim="800000"/>
+        </a:ln>
+        <a:ln w="19050" cap="flat" cmpd="sng" algn="ctr">
+          <a:solidFill>
+            <a:schemeClr val="phClr"/>
+          </a:solidFill>
+          <a:prstDash val="solid"/>
+          <a:miter lim="800000"/>
+        </a:ln>
+      </a:lnStyleLst>
+      <a:effectStyleLst>
+        <a:effectStyle>
+          <a:effectLst/>
+        </a:effectStyle>
+        <a:effectStyle>
+          <a:effectLst/>
+        </a:effectStyle>
+        <a:effectStyle>
+          <a:effectLst>
+            <a:outerShdw blurRad="57150" dist="19050" dir="5400000" algn="ctr" rotWithShape="0">
+              <a:srgbClr val="000000">
+                <a:alpha val="63000"/>
+              </a:srgbClr>
+            </a:outerShdw>
+          </a:effectLst>
+        </a:effectStyle>
+      </a:effectStyleLst>
+      <a:bgFillStyleLst>
+        <a:solidFill>
+          <a:schemeClr val="phClr"/>
+        </a:solidFill>
+        <a:solidFill>
+          <a:schemeClr val="phClr">
+            <a:tint val="95000"/>
+            <a:satMod val="170000"/>
+          </a:schemeClr>
+        </a:solidFill>
+        <a:gradFill rotWithShape="1">
+          <a:gsLst>
+            <a:gs pos="0">
+              <a:schemeClr val="phClr">
+                <a:tint val="93000"/>
+                <a:satMod val="150000"/>
+                <a:shade val="98000"/>
+                <a:lumMod val="102000"/>
+              </a:schemeClr>
+            </a:gs>
+            <a:gs pos="50000">
+              <a:schemeClr val="phClr">
+                <a:tint val="98000"/>
+                <a:satMod val="130000"/>
+                <a:shade val="90000"/>
+                <a:lumMod val="103000"/>
+              </a:schemeClr>
+            </a:gs>
+            <a:gs pos="100000">
+              <a:schemeClr val="phClr">
+                <a:shade val="63000"/>
+                <a:satMod val="120000"/>
+              </a:schemeClr>
+            </a:gs>
+          </a:gsLst>
+          <a:lin ang="5400000" scaled="0"/>
+        </a:gradFill>
+      </a:bgFillStyleLst>
+    </a:fmtScheme>
+  </a:themeElements>
+  <a:objectDefaults/>
+  <a:extraClrSchemeLst/>
+  <a:extLst>
+    <a:ext uri="{05A4C25C-085E-4340-85A3-A5531E510DB2}">
+      <thm15:themeFamily xmlns:thm15="http://schemas.microsoft.com/office/thememl/2012/main" name="Office Theme" id="{62F939B6-93AF-4DB8-9C6B-D6C7DFDC589F}" vid="{4A3C46E8-61CC-4603-A589-7422A47A8E4A}"/>
+    </a:ext>
+  </a:extLst>
+</a:theme>
 </file>